--- a/03案例分享/02  附件：项目案例.pptx
+++ b/03案例分享/02  附件：项目案例.pptx
@@ -212,7 +212,7 @@
           <a:p>
             <a:fld id="{6A94A706-AF46-48B8-AC29-64B80E7034C6}" type="datetimeFigureOut">
               <a:rPr lang="zh-CN" altLang="en-US" smtClean="0"/>
-              <a:t>2016/7/4</a:t>
+              <a:t>2018/7/17</a:t>
             </a:fld>
             <a:endParaRPr lang="zh-CN" altLang="en-US"/>
           </a:p>
@@ -377,7 +377,7 @@
           <a:p>
             <a:fld id="{B6BDBB5A-38E1-4322-89CD-4825C7CECB2F}" type="datetimeFigureOut">
               <a:rPr lang="zh-CN" altLang="en-US" smtClean="0"/>
-              <a:t>2016/7/4</a:t>
+              <a:t>2018/7/17</a:t>
             </a:fld>
             <a:endParaRPr lang="zh-CN" altLang="en-US"/>
           </a:p>
@@ -806,7 +806,7 @@
           <a:p>
             <a:fld id="{36B18144-C909-42AB-BDA2-6431DEA04BAF}" type="datetimeFigureOut">
               <a:rPr lang="zh-CN" altLang="en-US" smtClean="0"/>
-              <a:t>2016/7/4</a:t>
+              <a:t>2018/7/17</a:t>
             </a:fld>
             <a:endParaRPr lang="zh-CN" altLang="en-US"/>
           </a:p>
@@ -1015,7 +1015,7 @@
           <a:p>
             <a:fld id="{36B18144-C909-42AB-BDA2-6431DEA04BAF}" type="datetimeFigureOut">
               <a:rPr lang="zh-CN" altLang="en-US" smtClean="0"/>
-              <a:t>2016/7/4</a:t>
+              <a:t>2018/7/17</a:t>
             </a:fld>
             <a:endParaRPr lang="zh-CN" altLang="en-US"/>
           </a:p>
@@ -1226,7 +1226,7 @@
           <a:p>
             <a:fld id="{36B18144-C909-42AB-BDA2-6431DEA04BAF}" type="datetimeFigureOut">
               <a:rPr lang="zh-CN" altLang="en-US" smtClean="0"/>
-              <a:t>2016/7/4</a:t>
+              <a:t>2018/7/17</a:t>
             </a:fld>
             <a:endParaRPr lang="zh-CN" altLang="en-US"/>
           </a:p>
@@ -1352,7 +1352,7 @@
           <a:p>
             <a:fld id="{36B18144-C909-42AB-BDA2-6431DEA04BAF}" type="datetimeFigureOut">
               <a:rPr lang="zh-CN" altLang="en-US" smtClean="0"/>
-              <a:t>2016/7/4</a:t>
+              <a:t>2018/7/17</a:t>
             </a:fld>
             <a:endParaRPr lang="zh-CN" altLang="en-US"/>
           </a:p>
@@ -1603,7 +1603,7 @@
           <a:p>
             <a:fld id="{36B18144-C909-42AB-BDA2-6431DEA04BAF}" type="datetimeFigureOut">
               <a:rPr lang="zh-CN" altLang="en-US" smtClean="0"/>
-              <a:t>2016/7/4</a:t>
+              <a:t>2018/7/17</a:t>
             </a:fld>
             <a:endParaRPr lang="zh-CN" altLang="en-US"/>
           </a:p>
@@ -1868,7 +1868,7 @@
           <a:p>
             <a:fld id="{36B18144-C909-42AB-BDA2-6431DEA04BAF}" type="datetimeFigureOut">
               <a:rPr lang="zh-CN" altLang="en-US" smtClean="0"/>
-              <a:t>2016/7/4</a:t>
+              <a:t>2018/7/17</a:t>
             </a:fld>
             <a:endParaRPr lang="zh-CN" altLang="en-US"/>
           </a:p>
@@ -2202,7 +2202,7 @@
           <a:p>
             <a:fld id="{36B18144-C909-42AB-BDA2-6431DEA04BAF}" type="datetimeFigureOut">
               <a:rPr lang="zh-CN" altLang="en-US" smtClean="0"/>
-              <a:t>2016/7/4</a:t>
+              <a:t>2018/7/17</a:t>
             </a:fld>
             <a:endParaRPr lang="zh-CN" altLang="en-US"/>
           </a:p>
@@ -2473,7 +2473,7 @@
           <a:p>
             <a:fld id="{36B18144-C909-42AB-BDA2-6431DEA04BAF}" type="datetimeFigureOut">
               <a:rPr lang="zh-CN" altLang="en-US" smtClean="0"/>
-              <a:t>2016/7/4</a:t>
+              <a:t>2018/7/17</a:t>
             </a:fld>
             <a:endParaRPr lang="zh-CN" altLang="en-US"/>
           </a:p>
@@ -2871,7 +2871,7 @@
           <a:p>
             <a:fld id="{36B18144-C909-42AB-BDA2-6431DEA04BAF}" type="datetimeFigureOut">
               <a:rPr lang="zh-CN" altLang="en-US" smtClean="0"/>
-              <a:t>2016/7/4</a:t>
+              <a:t>2018/7/17</a:t>
             </a:fld>
             <a:endParaRPr lang="zh-CN" altLang="en-US"/>
           </a:p>
@@ -3028,7 +3028,7 @@
           <a:p>
             <a:fld id="{36B18144-C909-42AB-BDA2-6431DEA04BAF}" type="datetimeFigureOut">
               <a:rPr lang="zh-CN" altLang="en-US" smtClean="0"/>
-              <a:t>2016/7/4</a:t>
+              <a:t>2018/7/17</a:t>
             </a:fld>
             <a:endParaRPr lang="zh-CN" altLang="en-US"/>
           </a:p>
@@ -3168,7 +3168,7 @@
           <a:p>
             <a:fld id="{36B18144-C909-42AB-BDA2-6431DEA04BAF}" type="datetimeFigureOut">
               <a:rPr lang="zh-CN" altLang="en-US" smtClean="0"/>
-              <a:t>2016/7/4</a:t>
+              <a:t>2018/7/17</a:t>
             </a:fld>
             <a:endParaRPr lang="zh-CN" altLang="en-US"/>
           </a:p>
@@ -3476,7 +3476,7 @@
           <a:p>
             <a:fld id="{36B18144-C909-42AB-BDA2-6431DEA04BAF}" type="datetimeFigureOut">
               <a:rPr lang="zh-CN" altLang="en-US" smtClean="0"/>
-              <a:t>2016/7/4</a:t>
+              <a:t>2018/7/17</a:t>
             </a:fld>
             <a:endParaRPr lang="zh-CN" altLang="en-US"/>
           </a:p>
@@ -3764,7 +3764,7 @@
           <a:p>
             <a:fld id="{36B18144-C909-42AB-BDA2-6431DEA04BAF}" type="datetimeFigureOut">
               <a:rPr lang="zh-CN" altLang="en-US" smtClean="0"/>
-              <a:t>2016/7/4</a:t>
+              <a:t>2018/7/17</a:t>
             </a:fld>
             <a:endParaRPr lang="zh-CN" altLang="en-US"/>
           </a:p>
@@ -3999,7 +3999,7 @@
           <a:p>
             <a:fld id="{36B18144-C909-42AB-BDA2-6431DEA04BAF}" type="datetimeFigureOut">
               <a:rPr lang="zh-CN" altLang="en-US" smtClean="0"/>
-              <a:t>2016/7/4</a:t>
+              <a:t>2018/7/17</a:t>
             </a:fld>
             <a:endParaRPr lang="zh-CN" altLang="en-US"/>
           </a:p>
@@ -4430,46 +4430,34 @@
             </a:r>
             <a:r>
               <a:rPr lang="zh-CN" altLang="en-US" dirty="0" smtClean="0"/>
-              <a:t> 案例</a:t>
+              <a:t> 案例介绍</a:t>
+            </a:r>
+            <a:endParaRPr lang="zh-CN" altLang="en-US" dirty="0"/>
+          </a:p>
+        </p:txBody>
+      </p:sp>
+      <p:sp>
+        <p:nvSpPr>
+          <p:cNvPr id="7" name="副标题 6"/>
+          <p:cNvSpPr>
+            <a:spLocks noGrp="1"/>
+          </p:cNvSpPr>
+          <p:nvPr>
+            <p:ph type="subTitle" idx="1"/>
+          </p:nvPr>
+        </p:nvSpPr>
+        <p:spPr/>
+        <p:txBody>
+          <a:bodyPr/>
+          <a:lstStyle/>
+          <a:p>
+            <a:r>
+              <a:rPr lang="en-US" altLang="zh-CN" dirty="0" smtClean="0"/>
+              <a:t>XXYY</a:t>
             </a:r>
             <a:r>
               <a:rPr lang="zh-CN" altLang="en-US" dirty="0" smtClean="0"/>
-              <a:t>介绍</a:t>
-            </a:r>
-            <a:endParaRPr lang="zh-CN" altLang="en-US" dirty="0"/>
-          </a:p>
-        </p:txBody>
-      </p:sp>
-      <p:sp>
-        <p:nvSpPr>
-          <p:cNvPr id="7" name="副标题 6"/>
-          <p:cNvSpPr>
-            <a:spLocks noGrp="1"/>
-          </p:cNvSpPr>
-          <p:nvPr>
-            <p:ph type="subTitle" idx="1"/>
-          </p:nvPr>
-        </p:nvSpPr>
-        <p:spPr/>
-        <p:txBody>
-          <a:bodyPr/>
-          <a:lstStyle/>
-          <a:p>
-            <a:r>
-              <a:rPr lang="en-US" altLang="zh-CN" dirty="0" smtClean="0"/>
-              <a:t>XX</a:t>
-            </a:r>
-            <a:r>
-              <a:rPr lang="en-US" altLang="zh-CN" dirty="0" smtClean="0"/>
-              <a:t>YY</a:t>
-            </a:r>
-            <a:r>
-              <a:rPr lang="zh-CN" altLang="en-US" dirty="0" smtClean="0"/>
-              <a:t>项目</a:t>
-            </a:r>
-            <a:r>
-              <a:rPr lang="zh-CN" altLang="en-US" dirty="0" smtClean="0"/>
-              <a:t>组</a:t>
+              <a:t>项目组</a:t>
             </a:r>
             <a:endParaRPr lang="zh-CN" altLang="en-US" dirty="0"/>
           </a:p>
@@ -5006,19 +4994,7 @@
               <a:rPr lang="zh-CN" altLang="en-US" sz="1200" b="0" i="0" dirty="0" smtClean="0">
                 <a:ea typeface="微软雅黑" panose="020B0503020204020204" pitchFamily="34" charset="-122"/>
               </a:rPr>
-              <a:t>客户实施背景</a:t>
-            </a:r>
-            <a:r>
-              <a:rPr lang="zh-CN" altLang="en-US" sz="1200" b="0" i="0" dirty="0" smtClean="0">
-                <a:ea typeface="微软雅黑" panose="020B0503020204020204" pitchFamily="34" charset="-122"/>
-              </a:rPr>
-              <a:t>介绍</a:t>
-            </a:r>
-            <a:r>
-              <a:rPr lang="zh-CN" altLang="en-US" sz="1200" b="0" i="0" dirty="0" smtClean="0">
-                <a:ea typeface="微软雅黑" panose="020B0503020204020204" pitchFamily="34" charset="-122"/>
-              </a:rPr>
-              <a:t>，如客户预期要解决什么问题，</a:t>
+              <a:t>客户实施背景介绍，如客户预期要解决什么问题，</a:t>
             </a:r>
             <a:endParaRPr lang="zh-CN" altLang="en-US" sz="1200" b="0" i="0" dirty="0">
               <a:ea typeface="微软雅黑" panose="020B0503020204020204" pitchFamily="34" charset="-122"/>
@@ -5267,19 +5243,7 @@
               <a:rPr lang="zh-CN" altLang="en-US" sz="1200" b="0" i="0" dirty="0" smtClean="0">
                 <a:ea typeface="微软雅黑" panose="020B0503020204020204" pitchFamily="34" charset="-122"/>
               </a:rPr>
-              <a:t>建设目标、主管业务部门、目标</a:t>
-            </a:r>
-            <a:r>
-              <a:rPr lang="zh-CN" altLang="en-US" sz="1200" b="0" i="0" dirty="0" smtClean="0">
-                <a:ea typeface="微软雅黑" panose="020B0503020204020204" pitchFamily="34" charset="-122"/>
-              </a:rPr>
-              <a:t>客群</a:t>
-            </a:r>
-            <a:r>
-              <a:rPr lang="zh-CN" altLang="en-US" sz="1200" b="0" i="0" dirty="0" smtClean="0">
-                <a:ea typeface="微软雅黑" panose="020B0503020204020204" pitchFamily="34" charset="-122"/>
-              </a:rPr>
-              <a:t>、建设内容、建设周期、项目规模（人月）、开发平台、后续分期</a:t>
+              <a:t>建设目标、主管业务部门、目标客群、建设内容、建设周期、项目规模（人月）、开发平台、后续分期</a:t>
             </a:r>
             <a:r>
               <a:rPr lang="en-US" altLang="zh-CN" sz="1200" b="0" i="0" dirty="0" smtClean="0">
@@ -5922,7 +5886,6 @@
               <a:rPr lang="zh-CN" altLang="en-US" dirty="0"/>
               <a:t>可多张图体现）</a:t>
             </a:r>
-            <a:endParaRPr lang="zh-CN" altLang="en-US" dirty="0"/>
           </a:p>
         </p:txBody>
       </p:sp>
@@ -5943,11 +5906,7 @@
           <a:p>
             <a:r>
               <a:rPr lang="zh-CN" altLang="en-US" dirty="0" smtClean="0"/>
-              <a:t>业务架构</a:t>
-            </a:r>
-            <a:r>
-              <a:rPr lang="zh-CN" altLang="en-US" dirty="0" smtClean="0"/>
-              <a:t>图，讲清楚这个案例所实现的业务是什么？有哪些关联方，有些什么样的场景（粗粒度），有些什么样的业务模块</a:t>
+              <a:t>业务架构图，讲清楚这个案例所实现的业务是什么？有哪些关联方，有些什么样的场景（粗粒度），有些什么样的业务模块</a:t>
             </a:r>
             <a:endParaRPr lang="zh-CN" altLang="en-US" dirty="0"/>
           </a:p>
@@ -6004,13 +5963,8 @@
             </a:r>
             <a:r>
               <a:rPr lang="zh-CN" altLang="en-US" dirty="0"/>
-              <a:t>功能</a:t>
-            </a:r>
-            <a:r>
-              <a:rPr lang="zh-CN" altLang="en-US" dirty="0"/>
-              <a:t>介绍（必须）</a:t>
-            </a:r>
-            <a:endParaRPr lang="zh-CN" altLang="en-US" dirty="0"/>
+              <a:t>功能介绍（必须）</a:t>
+            </a:r>
           </a:p>
         </p:txBody>
       </p:sp>
@@ -6031,11 +5985,7 @@
           <a:p>
             <a:r>
               <a:rPr lang="zh-CN" altLang="en-US" dirty="0" smtClean="0"/>
-              <a:t>主要功能</a:t>
-            </a:r>
-            <a:r>
-              <a:rPr lang="zh-CN" altLang="en-US" dirty="0" smtClean="0"/>
-              <a:t>清单</a:t>
+              <a:t>主要功能清单</a:t>
             </a:r>
             <a:endParaRPr lang="zh-CN" altLang="en-US" dirty="0"/>
           </a:p>
@@ -6119,11 +6069,7 @@
           <a:p>
             <a:r>
               <a:rPr lang="zh-CN" altLang="en-US" dirty="0" smtClean="0"/>
-              <a:t>明确本系统在行内</a:t>
-            </a:r>
-            <a:r>
-              <a:rPr lang="zh-CN" altLang="en-US" dirty="0" smtClean="0"/>
-              <a:t>整体</a:t>
+              <a:t>明确本系统在行内整体</a:t>
             </a:r>
             <a:r>
               <a:rPr lang="en-US" altLang="zh-CN" dirty="0" smtClean="0"/>
@@ -6198,11 +6144,7 @@
           <a:p>
             <a:r>
               <a:rPr lang="zh-CN" altLang="en-US" dirty="0" smtClean="0"/>
-              <a:t>重点业务介绍（可选</a:t>
-            </a:r>
-            <a:r>
-              <a:rPr lang="zh-CN" altLang="en-US" dirty="0" smtClean="0"/>
-              <a:t>）（可多项）</a:t>
+              <a:t>重点业务介绍（可选）（可多项）</a:t>
             </a:r>
             <a:endParaRPr lang="zh-CN" altLang="en-US" dirty="0"/>
           </a:p>
@@ -6247,11 +6189,7 @@
             </a:pPr>
             <a:r>
               <a:rPr lang="zh-CN" altLang="en-US" dirty="0" smtClean="0"/>
-              <a:t>业务</a:t>
-            </a:r>
-            <a:r>
-              <a:rPr lang="zh-CN" altLang="en-US" dirty="0" smtClean="0"/>
-              <a:t>模式介绍</a:t>
+              <a:t>业务模式介绍</a:t>
             </a:r>
             <a:endParaRPr lang="en-US" altLang="zh-CN" dirty="0" smtClean="0"/>
           </a:p>
@@ -6263,11 +6201,7 @@
             </a:pPr>
             <a:r>
               <a:rPr lang="zh-CN" altLang="en-US" dirty="0" smtClean="0"/>
-              <a:t>业务</a:t>
-            </a:r>
-            <a:r>
-              <a:rPr lang="zh-CN" altLang="en-US" dirty="0" smtClean="0"/>
-              <a:t>流程详解</a:t>
+              <a:t>业务流程详解</a:t>
             </a:r>
             <a:endParaRPr lang="en-US" altLang="zh-CN" dirty="0" smtClean="0"/>
           </a:p>
@@ -6279,11 +6213,7 @@
             </a:pPr>
             <a:r>
               <a:rPr lang="zh-CN" altLang="en-US" dirty="0" smtClean="0"/>
-              <a:t>项目实施难点</a:t>
-            </a:r>
-            <a:r>
-              <a:rPr lang="zh-CN" altLang="en-US" dirty="0" smtClean="0"/>
-              <a:t>与解决方案</a:t>
+              <a:t>项目实施难点与解决方案</a:t>
             </a:r>
             <a:endParaRPr lang="en-US" altLang="zh-CN" dirty="0" smtClean="0"/>
           </a:p>
@@ -6360,15 +6290,7 @@
           <a:p>
             <a:r>
               <a:rPr lang="zh-CN" altLang="en-US" dirty="0" smtClean="0"/>
-              <a:t>亮点</a:t>
-            </a:r>
-            <a:r>
-              <a:rPr lang="zh-CN" altLang="en-US" dirty="0" smtClean="0"/>
-              <a:t>介绍</a:t>
-            </a:r>
-            <a:r>
-              <a:rPr lang="zh-CN" altLang="en-US" dirty="0" smtClean="0"/>
-              <a:t>（可选）（可多项）</a:t>
+              <a:t>亮点介绍（可选）（可多项）</a:t>
             </a:r>
             <a:endParaRPr lang="zh-CN" altLang="en-US" dirty="0"/>
           </a:p>
@@ -6518,11 +6440,7 @@
           <a:p>
             <a:r>
               <a:rPr lang="zh-CN" altLang="en-US" dirty="0" smtClean="0"/>
-              <a:t>项目成效</a:t>
-            </a:r>
-            <a:r>
-              <a:rPr lang="zh-CN" altLang="en-US" dirty="0" smtClean="0"/>
-              <a:t>介绍（必须）</a:t>
+              <a:t>项目成效介绍（必须）</a:t>
             </a:r>
             <a:endParaRPr lang="zh-CN" altLang="en-US" dirty="0"/>
           </a:p>
